--- a/digital portfolio.pptx
+++ b/digital portfolio.pptx
@@ -174,7 +174,7 @@
           <a:noFill/>
           <a:extLst>
             <a:ext uri="{909E8E84-426E-40dd-AFC4-6F175D3DCCD1}">
-              <a14:hiddenFill xmlns:a14="http://schemas.microsoft.com/office/drawing/2010/main" xmlns="">
+              <a14:hiddenFill xmlns="" xmlns:a14="http://schemas.microsoft.com/office/drawing/2010/main">
                 <a:solidFill>
                   <a:srgbClr val="FFFFFF"/>
                 </a:solidFill>
@@ -234,7 +234,7 @@
             </a:ln>
             <a:extLst>
               <a:ext uri="{91240B29-F687-4f45-9708-019B960494DF}">
-                <a14:hiddenLine xmlns:a14="http://schemas.microsoft.com/office/drawing/2010/main" xmlns="" w="9525">
+                <a14:hiddenLine xmlns="" xmlns:a14="http://schemas.microsoft.com/office/drawing/2010/main" w="9525">
                   <a:solidFill>
                     <a:srgbClr val="000000"/>
                   </a:solidFill>
@@ -324,7 +324,7 @@
             </a:ln>
             <a:extLst>
               <a:ext uri="{91240B29-F687-4f45-9708-019B960494DF}">
-                <a14:hiddenLine xmlns:a14="http://schemas.microsoft.com/office/drawing/2010/main" xmlns="" w="9525">
+                <a14:hiddenLine xmlns="" xmlns:a14="http://schemas.microsoft.com/office/drawing/2010/main" w="9525">
                   <a:solidFill>
                     <a:srgbClr val="000000"/>
                   </a:solidFill>
@@ -414,7 +414,7 @@
             </a:ln>
             <a:extLst>
               <a:ext uri="{91240B29-F687-4f45-9708-019B960494DF}">
-                <a14:hiddenLine xmlns:a14="http://schemas.microsoft.com/office/drawing/2010/main" xmlns="" w="9525">
+                <a14:hiddenLine xmlns="" xmlns:a14="http://schemas.microsoft.com/office/drawing/2010/main" w="9525">
                   <a:solidFill>
                     <a:srgbClr val="000000"/>
                   </a:solidFill>
@@ -448,7 +448,7 @@
             </a:ln>
             <a:extLst>
               <a:ext uri="{91240B29-F687-4f45-9708-019B960494DF}">
-                <a14:hiddenLine xmlns:a14="http://schemas.microsoft.com/office/drawing/2010/main" xmlns="" w="9525">
+                <a14:hiddenLine xmlns="" xmlns:a14="http://schemas.microsoft.com/office/drawing/2010/main" w="9525">
                   <a:solidFill>
                     <a:srgbClr val="000000"/>
                   </a:solidFill>
@@ -538,7 +538,7 @@
             </a:ln>
             <a:extLst>
               <a:ext uri="{91240B29-F687-4f45-9708-019B960494DF}">
-                <a14:hiddenLine xmlns:a14="http://schemas.microsoft.com/office/drawing/2010/main" xmlns="" w="9525">
+                <a14:hiddenLine xmlns="" xmlns:a14="http://schemas.microsoft.com/office/drawing/2010/main" w="9525">
                   <a:solidFill>
                     <a:srgbClr val="000000"/>
                   </a:solidFill>
@@ -600,7 +600,7 @@
             </a:ln>
             <a:extLst>
               <a:ext uri="{91240B29-F687-4f45-9708-019B960494DF}">
-                <a14:hiddenLine xmlns:a14="http://schemas.microsoft.com/office/drawing/2010/main" xmlns="" w="9525">
+                <a14:hiddenLine xmlns="" xmlns:a14="http://schemas.microsoft.com/office/drawing/2010/main" w="9525">
                   <a:solidFill>
                     <a:srgbClr val="000000"/>
                   </a:solidFill>
@@ -662,7 +662,7 @@
             </a:ln>
             <a:extLst>
               <a:ext uri="{91240B29-F687-4f45-9708-019B960494DF}">
-                <a14:hiddenLine xmlns:a14="http://schemas.microsoft.com/office/drawing/2010/main" xmlns="" w="9525">
+                <a14:hiddenLine xmlns="" xmlns:a14="http://schemas.microsoft.com/office/drawing/2010/main" w="9525">
                   <a:solidFill>
                     <a:srgbClr val="000000"/>
                   </a:solidFill>
@@ -752,7 +752,7 @@
             </a:ln>
             <a:extLst>
               <a:ext uri="{91240B29-F687-4f45-9708-019B960494DF}">
-                <a14:hiddenLine xmlns:a14="http://schemas.microsoft.com/office/drawing/2010/main" xmlns="" w="9525">
+                <a14:hiddenLine xmlns="" xmlns:a14="http://schemas.microsoft.com/office/drawing/2010/main" w="9525">
                   <a:solidFill>
                     <a:srgbClr val="000000"/>
                   </a:solidFill>
@@ -814,7 +814,7 @@
             </a:ln>
             <a:extLst>
               <a:ext uri="{91240B29-F687-4f45-9708-019B960494DF}">
-                <a14:hiddenLine xmlns:a14="http://schemas.microsoft.com/office/drawing/2010/main" xmlns="" w="9525">
+                <a14:hiddenLine xmlns="" xmlns:a14="http://schemas.microsoft.com/office/drawing/2010/main" w="9525">
                   <a:solidFill>
                     <a:srgbClr val="000000"/>
                   </a:solidFill>
@@ -876,7 +876,7 @@
             </a:ln>
             <a:extLst>
               <a:ext uri="{91240B29-F687-4f45-9708-019B960494DF}">
-                <a14:hiddenLine xmlns:a14="http://schemas.microsoft.com/office/drawing/2010/main" xmlns="" w="9525">
+                <a14:hiddenLine xmlns="" xmlns:a14="http://schemas.microsoft.com/office/drawing/2010/main" w="9525">
                   <a:solidFill>
                     <a:srgbClr val="000000"/>
                   </a:solidFill>
@@ -966,7 +966,7 @@
             </a:ln>
             <a:extLst>
               <a:ext uri="{91240B29-F687-4f45-9708-019B960494DF}">
-                <a14:hiddenLine xmlns:a14="http://schemas.microsoft.com/office/drawing/2010/main" xmlns="" w="9525">
+                <a14:hiddenLine xmlns="" xmlns:a14="http://schemas.microsoft.com/office/drawing/2010/main" w="9525">
                   <a:solidFill>
                     <a:srgbClr val="000000"/>
                   </a:solidFill>
@@ -1056,7 +1056,7 @@
             </a:ln>
             <a:extLst>
               <a:ext uri="{91240B29-F687-4f45-9708-019B960494DF}">
-                <a14:hiddenLine xmlns:a14="http://schemas.microsoft.com/office/drawing/2010/main" xmlns="" w="9525">
+                <a14:hiddenLine xmlns="" xmlns:a14="http://schemas.microsoft.com/office/drawing/2010/main" w="9525">
                   <a:solidFill>
                     <a:srgbClr val="000000"/>
                   </a:solidFill>
@@ -1118,7 +1118,7 @@
             </a:ln>
             <a:extLst>
               <a:ext uri="{91240B29-F687-4f45-9708-019B960494DF}">
-                <a14:hiddenLine xmlns:a14="http://schemas.microsoft.com/office/drawing/2010/main" xmlns="" w="9525">
+                <a14:hiddenLine xmlns="" xmlns:a14="http://schemas.microsoft.com/office/drawing/2010/main" w="9525">
                   <a:solidFill>
                     <a:srgbClr val="000000"/>
                   </a:solidFill>
@@ -1228,7 +1228,7 @@
             </a:ln>
             <a:extLst>
               <a:ext uri="{91240B29-F687-4f45-9708-019B960494DF}">
-                <a14:hiddenLine xmlns:a14="http://schemas.microsoft.com/office/drawing/2010/main" xmlns="" w="9525">
+                <a14:hiddenLine xmlns="" xmlns:a14="http://schemas.microsoft.com/office/drawing/2010/main" w="9525">
                   <a:solidFill>
                     <a:srgbClr val="000000"/>
                   </a:solidFill>
@@ -1290,7 +1290,7 @@
             </a:ln>
             <a:extLst>
               <a:ext uri="{91240B29-F687-4f45-9708-019B960494DF}">
-                <a14:hiddenLine xmlns:a14="http://schemas.microsoft.com/office/drawing/2010/main" xmlns="" w="9525">
+                <a14:hiddenLine xmlns="" xmlns:a14="http://schemas.microsoft.com/office/drawing/2010/main" w="9525">
                   <a:solidFill>
                     <a:srgbClr val="000000"/>
                   </a:solidFill>
@@ -1380,7 +1380,7 @@
             </a:ln>
             <a:extLst>
               <a:ext uri="{91240B29-F687-4f45-9708-019B960494DF}">
-                <a14:hiddenLine xmlns:a14="http://schemas.microsoft.com/office/drawing/2010/main" xmlns="" w="9525">
+                <a14:hiddenLine xmlns="" xmlns:a14="http://schemas.microsoft.com/office/drawing/2010/main" w="9525">
                   <a:solidFill>
                     <a:srgbClr val="000000"/>
                   </a:solidFill>
@@ -1470,7 +1470,7 @@
             </a:ln>
             <a:extLst>
               <a:ext uri="{91240B29-F687-4f45-9708-019B960494DF}">
-                <a14:hiddenLine xmlns:a14="http://schemas.microsoft.com/office/drawing/2010/main" xmlns="" w="9525">
+                <a14:hiddenLine xmlns="" xmlns:a14="http://schemas.microsoft.com/office/drawing/2010/main" w="9525">
                   <a:solidFill>
                     <a:srgbClr val="000000"/>
                   </a:solidFill>
@@ -1532,7 +1532,7 @@
             </a:ln>
             <a:extLst>
               <a:ext uri="{91240B29-F687-4f45-9708-019B960494DF}">
-                <a14:hiddenLine xmlns:a14="http://schemas.microsoft.com/office/drawing/2010/main" xmlns="" w="9525">
+                <a14:hiddenLine xmlns="" xmlns:a14="http://schemas.microsoft.com/office/drawing/2010/main" w="9525">
                   <a:solidFill>
                     <a:srgbClr val="000000"/>
                   </a:solidFill>
@@ -1622,7 +1622,7 @@
             </a:ln>
             <a:extLst>
               <a:ext uri="{91240B29-F687-4f45-9708-019B960494DF}">
-                <a14:hiddenLine xmlns:a14="http://schemas.microsoft.com/office/drawing/2010/main" xmlns="" w="9525">
+                <a14:hiddenLine xmlns="" xmlns:a14="http://schemas.microsoft.com/office/drawing/2010/main" w="9525">
                   <a:solidFill>
                     <a:srgbClr val="000000"/>
                   </a:solidFill>
@@ -1712,7 +1712,7 @@
             </a:ln>
             <a:extLst>
               <a:ext uri="{91240B29-F687-4f45-9708-019B960494DF}">
-                <a14:hiddenLine xmlns:a14="http://schemas.microsoft.com/office/drawing/2010/main" xmlns="" w="9525">
+                <a14:hiddenLine xmlns="" xmlns:a14="http://schemas.microsoft.com/office/drawing/2010/main" w="9525">
                   <a:solidFill>
                     <a:srgbClr val="000000"/>
                   </a:solidFill>
@@ -1768,7 +1768,7 @@
             </a:ln>
             <a:extLst>
               <a:ext uri="{91240B29-F687-4f45-9708-019B960494DF}">
-                <a14:hiddenLine xmlns:a14="http://schemas.microsoft.com/office/drawing/2010/main" xmlns="" w="9525">
+                <a14:hiddenLine xmlns="" xmlns:a14="http://schemas.microsoft.com/office/drawing/2010/main" w="9525">
                   <a:solidFill>
                     <a:srgbClr val="000000"/>
                   </a:solidFill>
@@ -1858,7 +1858,7 @@
             </a:ln>
             <a:extLst>
               <a:ext uri="{91240B29-F687-4f45-9708-019B960494DF}">
-                <a14:hiddenLine xmlns:a14="http://schemas.microsoft.com/office/drawing/2010/main" xmlns="" w="9525">
+                <a14:hiddenLine xmlns="" xmlns:a14="http://schemas.microsoft.com/office/drawing/2010/main" w="9525">
                   <a:solidFill>
                     <a:srgbClr val="000000"/>
                   </a:solidFill>
@@ -1914,7 +1914,7 @@
             </a:ln>
             <a:extLst>
               <a:ext uri="{91240B29-F687-4f45-9708-019B960494DF}">
-                <a14:hiddenLine xmlns:a14="http://schemas.microsoft.com/office/drawing/2010/main" xmlns="" w="9525">
+                <a14:hiddenLine xmlns="" xmlns:a14="http://schemas.microsoft.com/office/drawing/2010/main" w="9525">
                   <a:solidFill>
                     <a:srgbClr val="000000"/>
                   </a:solidFill>
@@ -2004,7 +2004,7 @@
             </a:ln>
             <a:extLst>
               <a:ext uri="{91240B29-F687-4f45-9708-019B960494DF}">
-                <a14:hiddenLine xmlns:a14="http://schemas.microsoft.com/office/drawing/2010/main" xmlns="" w="9525">
+                <a14:hiddenLine xmlns="" xmlns:a14="http://schemas.microsoft.com/office/drawing/2010/main" w="9525">
                   <a:solidFill>
                     <a:srgbClr val="000000"/>
                   </a:solidFill>
@@ -2072,7 +2072,7 @@
             </a:ln>
             <a:extLst>
               <a:ext uri="{91240B29-F687-4f45-9708-019B960494DF}">
-                <a14:hiddenLine xmlns:a14="http://schemas.microsoft.com/office/drawing/2010/main" xmlns="" w="9525">
+                <a14:hiddenLine xmlns="" xmlns:a14="http://schemas.microsoft.com/office/drawing/2010/main" w="9525">
                   <a:solidFill>
                     <a:srgbClr val="000000"/>
                   </a:solidFill>
@@ -2162,7 +2162,7 @@
             </a:ln>
             <a:extLst>
               <a:ext uri="{91240B29-F687-4f45-9708-019B960494DF}">
-                <a14:hiddenLine xmlns:a14="http://schemas.microsoft.com/office/drawing/2010/main" xmlns="" w="9525">
+                <a14:hiddenLine xmlns="" xmlns:a14="http://schemas.microsoft.com/office/drawing/2010/main" w="9525">
                   <a:solidFill>
                     <a:srgbClr val="000000"/>
                   </a:solidFill>
@@ -2230,7 +2230,7 @@
             </a:ln>
             <a:extLst>
               <a:ext uri="{91240B29-F687-4f45-9708-019B960494DF}">
-                <a14:hiddenLine xmlns:a14="http://schemas.microsoft.com/office/drawing/2010/main" xmlns="" w="9525">
+                <a14:hiddenLine xmlns="" xmlns:a14="http://schemas.microsoft.com/office/drawing/2010/main" w="9525">
                   <a:solidFill>
                     <a:srgbClr val="000000"/>
                   </a:solidFill>
@@ -2320,7 +2320,7 @@
             </a:ln>
             <a:extLst>
               <a:ext uri="{91240B29-F687-4f45-9708-019B960494DF}">
-                <a14:hiddenLine xmlns:a14="http://schemas.microsoft.com/office/drawing/2010/main" xmlns="" w="9525">
+                <a14:hiddenLine xmlns="" xmlns:a14="http://schemas.microsoft.com/office/drawing/2010/main" w="9525">
                   <a:solidFill>
                     <a:srgbClr val="000000"/>
                   </a:solidFill>
@@ -2354,7 +2354,7 @@
             </a:ln>
             <a:extLst>
               <a:ext uri="{91240B29-F687-4f45-9708-019B960494DF}">
-                <a14:hiddenLine xmlns:a14="http://schemas.microsoft.com/office/drawing/2010/main" xmlns="" w="9525">
+                <a14:hiddenLine xmlns="" xmlns:a14="http://schemas.microsoft.com/office/drawing/2010/main" w="9525">
                   <a:solidFill>
                     <a:srgbClr val="000000"/>
                   </a:solidFill>
@@ -2444,7 +2444,7 @@
             </a:ln>
             <a:extLst>
               <a:ext uri="{91240B29-F687-4f45-9708-019B960494DF}">
-                <a14:hiddenLine xmlns:a14="http://schemas.microsoft.com/office/drawing/2010/main" xmlns="" w="9525">
+                <a14:hiddenLine xmlns="" xmlns:a14="http://schemas.microsoft.com/office/drawing/2010/main" w="9525">
                   <a:solidFill>
                     <a:srgbClr val="000000"/>
                   </a:solidFill>
@@ -2506,7 +2506,7 @@
             </a:ln>
             <a:extLst>
               <a:ext uri="{91240B29-F687-4f45-9708-019B960494DF}">
-                <a14:hiddenLine xmlns:a14="http://schemas.microsoft.com/office/drawing/2010/main" xmlns="" w="9525">
+                <a14:hiddenLine xmlns="" xmlns:a14="http://schemas.microsoft.com/office/drawing/2010/main" w="9525">
                   <a:solidFill>
                     <a:srgbClr val="000000"/>
                   </a:solidFill>
@@ -2568,7 +2568,7 @@
             </a:ln>
             <a:extLst>
               <a:ext uri="{91240B29-F687-4f45-9708-019B960494DF}">
-                <a14:hiddenLine xmlns:a14="http://schemas.microsoft.com/office/drawing/2010/main" xmlns="" w="9525">
+                <a14:hiddenLine xmlns="" xmlns:a14="http://schemas.microsoft.com/office/drawing/2010/main" w="9525">
                   <a:solidFill>
                     <a:srgbClr val="000000"/>
                   </a:solidFill>
@@ -2658,7 +2658,7 @@
             </a:ln>
             <a:extLst>
               <a:ext uri="{91240B29-F687-4f45-9708-019B960494DF}">
-                <a14:hiddenLine xmlns:a14="http://schemas.microsoft.com/office/drawing/2010/main" xmlns="" w="9525">
+                <a14:hiddenLine xmlns="" xmlns:a14="http://schemas.microsoft.com/office/drawing/2010/main" w="9525">
                   <a:solidFill>
                     <a:srgbClr val="000000"/>
                   </a:solidFill>
@@ -2726,7 +2726,7 @@
             </a:ln>
             <a:extLst>
               <a:ext uri="{91240B29-F687-4f45-9708-019B960494DF}">
-                <a14:hiddenLine xmlns:a14="http://schemas.microsoft.com/office/drawing/2010/main" xmlns="" w="9525">
+                <a14:hiddenLine xmlns="" xmlns:a14="http://schemas.microsoft.com/office/drawing/2010/main" w="9525">
                   <a:solidFill>
                     <a:srgbClr val="000000"/>
                   </a:solidFill>
@@ -2788,7 +2788,7 @@
             </a:ln>
             <a:extLst>
               <a:ext uri="{91240B29-F687-4f45-9708-019B960494DF}">
-                <a14:hiddenLine xmlns:a14="http://schemas.microsoft.com/office/drawing/2010/main" xmlns="" w="9525">
+                <a14:hiddenLine xmlns="" xmlns:a14="http://schemas.microsoft.com/office/drawing/2010/main" w="9525">
                   <a:solidFill>
                     <a:srgbClr val="000000"/>
                   </a:solidFill>
@@ -2878,7 +2878,7 @@
             </a:ln>
             <a:extLst>
               <a:ext uri="{91240B29-F687-4f45-9708-019B960494DF}">
-                <a14:hiddenLine xmlns:a14="http://schemas.microsoft.com/office/drawing/2010/main" xmlns="" w="9525">
+                <a14:hiddenLine xmlns="" xmlns:a14="http://schemas.microsoft.com/office/drawing/2010/main" w="9525">
                   <a:solidFill>
                     <a:srgbClr val="000000"/>
                   </a:solidFill>
@@ -2940,7 +2940,7 @@
             </a:ln>
             <a:extLst>
               <a:ext uri="{91240B29-F687-4f45-9708-019B960494DF}">
-                <a14:hiddenLine xmlns:a14="http://schemas.microsoft.com/office/drawing/2010/main" xmlns="" w="9525">
+                <a14:hiddenLine xmlns="" xmlns:a14="http://schemas.microsoft.com/office/drawing/2010/main" w="9525">
                   <a:solidFill>
                     <a:srgbClr val="000000"/>
                   </a:solidFill>
@@ -3030,7 +3030,7 @@
             </a:ln>
             <a:extLst>
               <a:ext uri="{91240B29-F687-4f45-9708-019B960494DF}">
-                <a14:hiddenLine xmlns:a14="http://schemas.microsoft.com/office/drawing/2010/main" xmlns="" w="9525">
+                <a14:hiddenLine xmlns="" xmlns:a14="http://schemas.microsoft.com/office/drawing/2010/main" w="9525">
                   <a:solidFill>
                     <a:srgbClr val="000000"/>
                   </a:solidFill>
@@ -3092,7 +3092,7 @@
             </a:ln>
             <a:extLst>
               <a:ext uri="{91240B29-F687-4f45-9708-019B960494DF}">
-                <a14:hiddenLine xmlns:a14="http://schemas.microsoft.com/office/drawing/2010/main" xmlns="" w="9525">
+                <a14:hiddenLine xmlns="" xmlns:a14="http://schemas.microsoft.com/office/drawing/2010/main" w="9525">
                   <a:solidFill>
                     <a:srgbClr val="000000"/>
                   </a:solidFill>
@@ -3182,7 +3182,7 @@
             </a:ln>
             <a:extLst>
               <a:ext uri="{91240B29-F687-4f45-9708-019B960494DF}">
-                <a14:hiddenLine xmlns:a14="http://schemas.microsoft.com/office/drawing/2010/main" xmlns="" w="9525">
+                <a14:hiddenLine xmlns="" xmlns:a14="http://schemas.microsoft.com/office/drawing/2010/main" w="9525">
                   <a:solidFill>
                     <a:srgbClr val="000000"/>
                   </a:solidFill>
@@ -3216,7 +3216,7 @@
             </a:ln>
             <a:extLst>
               <a:ext uri="{91240B29-F687-4f45-9708-019B960494DF}">
-                <a14:hiddenLine xmlns:a14="http://schemas.microsoft.com/office/drawing/2010/main" xmlns="" w="9525">
+                <a14:hiddenLine xmlns="" xmlns:a14="http://schemas.microsoft.com/office/drawing/2010/main" w="9525">
                   <a:solidFill>
                     <a:srgbClr val="000000"/>
                   </a:solidFill>
@@ -3281,7 +3281,7 @@
             </a:ln>
             <a:extLst>
               <a:ext uri="{91240B29-F687-4f45-9708-019B960494DF}">
-                <a14:hiddenLine xmlns:a14="http://schemas.microsoft.com/office/drawing/2010/main" xmlns="" w="9525">
+                <a14:hiddenLine xmlns="" xmlns:a14="http://schemas.microsoft.com/office/drawing/2010/main" w="9525">
                   <a:solidFill>
                     <a:srgbClr val="000000"/>
                   </a:solidFill>
@@ -3371,7 +3371,7 @@
             </a:ln>
             <a:extLst>
               <a:ext uri="{91240B29-F687-4f45-9708-019B960494DF}">
-                <a14:hiddenLine xmlns:a14="http://schemas.microsoft.com/office/drawing/2010/main" xmlns="" w="9525">
+                <a14:hiddenLine xmlns="" xmlns:a14="http://schemas.microsoft.com/office/drawing/2010/main" w="9525">
                   <a:solidFill>
                     <a:srgbClr val="000000"/>
                   </a:solidFill>
@@ -3433,7 +3433,7 @@
             </a:ln>
             <a:extLst>
               <a:ext uri="{91240B29-F687-4f45-9708-019B960494DF}">
-                <a14:hiddenLine xmlns:a14="http://schemas.microsoft.com/office/drawing/2010/main" xmlns="" w="9525">
+                <a14:hiddenLine xmlns="" xmlns:a14="http://schemas.microsoft.com/office/drawing/2010/main" w="9525">
                   <a:solidFill>
                     <a:srgbClr val="000000"/>
                   </a:solidFill>
@@ -3523,7 +3523,7 @@
             </a:ln>
             <a:extLst>
               <a:ext uri="{91240B29-F687-4f45-9708-019B960494DF}">
-                <a14:hiddenLine xmlns:a14="http://schemas.microsoft.com/office/drawing/2010/main" xmlns="" w="9525">
+                <a14:hiddenLine xmlns="" xmlns:a14="http://schemas.microsoft.com/office/drawing/2010/main" w="9525">
                   <a:solidFill>
                     <a:srgbClr val="000000"/>
                   </a:solidFill>
@@ -3613,7 +3613,7 @@
             </a:ln>
             <a:extLst>
               <a:ext uri="{91240B29-F687-4f45-9708-019B960494DF}">
-                <a14:hiddenLine xmlns:a14="http://schemas.microsoft.com/office/drawing/2010/main" xmlns="" w="9525">
+                <a14:hiddenLine xmlns="" xmlns:a14="http://schemas.microsoft.com/office/drawing/2010/main" w="9525">
                   <a:solidFill>
                     <a:srgbClr val="000000"/>
                   </a:solidFill>
@@ -3678,7 +3678,7 @@
             </a:ln>
             <a:extLst>
               <a:ext uri="{91240B29-F687-4f45-9708-019B960494DF}">
-                <a14:hiddenLine xmlns:a14="http://schemas.microsoft.com/office/drawing/2010/main" xmlns="" w="9525">
+                <a14:hiddenLine xmlns="" xmlns:a14="http://schemas.microsoft.com/office/drawing/2010/main" w="9525">
                   <a:solidFill>
                     <a:srgbClr val="000000"/>
                   </a:solidFill>
@@ -3740,7 +3740,7 @@
             </a:ln>
             <a:extLst>
               <a:ext uri="{91240B29-F687-4f45-9708-019B960494DF}">
-                <a14:hiddenLine xmlns:a14="http://schemas.microsoft.com/office/drawing/2010/main" xmlns="" w="9525">
+                <a14:hiddenLine xmlns="" xmlns:a14="http://schemas.microsoft.com/office/drawing/2010/main" w="9525">
                   <a:solidFill>
                     <a:srgbClr val="000000"/>
                   </a:solidFill>
@@ -3830,7 +3830,7 @@
             </a:ln>
             <a:extLst>
               <a:ext uri="{91240B29-F687-4f45-9708-019B960494DF}">
-                <a14:hiddenLine xmlns:a14="http://schemas.microsoft.com/office/drawing/2010/main" xmlns="" w="9525">
+                <a14:hiddenLine xmlns="" xmlns:a14="http://schemas.microsoft.com/office/drawing/2010/main" w="9525">
                   <a:solidFill>
                     <a:srgbClr val="000000"/>
                   </a:solidFill>
@@ -3920,7 +3920,7 @@
             </a:ln>
             <a:extLst>
               <a:ext uri="{91240B29-F687-4f45-9708-019B960494DF}">
-                <a14:hiddenLine xmlns:a14="http://schemas.microsoft.com/office/drawing/2010/main" xmlns="" w="9525">
+                <a14:hiddenLine xmlns="" xmlns:a14="http://schemas.microsoft.com/office/drawing/2010/main" w="9525">
                   <a:solidFill>
                     <a:srgbClr val="000000"/>
                   </a:solidFill>
@@ -3982,7 +3982,7 @@
             </a:ln>
             <a:extLst>
               <a:ext uri="{91240B29-F687-4f45-9708-019B960494DF}">
-                <a14:hiddenLine xmlns:a14="http://schemas.microsoft.com/office/drawing/2010/main" xmlns="" w="9525">
+                <a14:hiddenLine xmlns="" xmlns:a14="http://schemas.microsoft.com/office/drawing/2010/main" w="9525">
                   <a:solidFill>
                     <a:srgbClr val="000000"/>
                   </a:solidFill>
@@ -4102,7 +4102,7 @@
             </a:ln>
             <a:extLst>
               <a:ext uri="{91240B29-F687-4f45-9708-019B960494DF}">
-                <a14:hiddenLine xmlns:a14="http://schemas.microsoft.com/office/drawing/2010/main" xmlns="" w="9525">
+                <a14:hiddenLine xmlns="" xmlns:a14="http://schemas.microsoft.com/office/drawing/2010/main" w="9525">
                   <a:solidFill>
                     <a:srgbClr val="000000"/>
                   </a:solidFill>
@@ -4170,7 +4170,7 @@
             </a:ln>
             <a:extLst>
               <a:ext uri="{91240B29-F687-4f45-9708-019B960494DF}">
-                <a14:hiddenLine xmlns:a14="http://schemas.microsoft.com/office/drawing/2010/main" xmlns="" w="9525">
+                <a14:hiddenLine xmlns="" xmlns:a14="http://schemas.microsoft.com/office/drawing/2010/main" w="9525">
                   <a:solidFill>
                     <a:srgbClr val="000000"/>
                   </a:solidFill>
@@ -4260,7 +4260,7 @@
             </a:ln>
             <a:extLst>
               <a:ext uri="{91240B29-F687-4f45-9708-019B960494DF}">
-                <a14:hiddenLine xmlns:a14="http://schemas.microsoft.com/office/drawing/2010/main" xmlns="" w="9525">
+                <a14:hiddenLine xmlns="" xmlns:a14="http://schemas.microsoft.com/office/drawing/2010/main" w="9525">
                   <a:solidFill>
                     <a:srgbClr val="000000"/>
                   </a:solidFill>
@@ -9199,7 +9199,7 @@
           <a:noFill/>
           <a:extLst>
             <a:ext uri="{909E8E84-426E-40dd-AFC4-6F175D3DCCD1}">
-              <a14:hiddenFill xmlns:a14="http://schemas.microsoft.com/office/drawing/2010/main" xmlns="">
+              <a14:hiddenFill xmlns="" xmlns:a14="http://schemas.microsoft.com/office/drawing/2010/main">
                 <a:solidFill>
                   <a:srgbClr val="FFFFFF"/>
                 </a:solidFill>
@@ -9273,7 +9273,7 @@
               </a:ln>
               <a:extLst>
                 <a:ext uri="{91240B29-F687-4f45-9708-019B960494DF}">
-                  <a14:hiddenLine xmlns:a14="http://schemas.microsoft.com/office/drawing/2010/main" xmlns="" w="9525">
+                  <a14:hiddenLine xmlns="" xmlns:a14="http://schemas.microsoft.com/office/drawing/2010/main" w="9525">
                     <a:solidFill>
                       <a:srgbClr val="000000"/>
                     </a:solidFill>
@@ -9363,7 +9363,7 @@
               </a:ln>
               <a:extLst>
                 <a:ext uri="{91240B29-F687-4f45-9708-019B960494DF}">
-                  <a14:hiddenLine xmlns:a14="http://schemas.microsoft.com/office/drawing/2010/main" xmlns="" w="9525">
+                  <a14:hiddenLine xmlns="" xmlns:a14="http://schemas.microsoft.com/office/drawing/2010/main" w="9525">
                     <a:solidFill>
                       <a:srgbClr val="000000"/>
                     </a:solidFill>
@@ -9453,7 +9453,7 @@
               </a:ln>
               <a:extLst>
                 <a:ext uri="{91240B29-F687-4f45-9708-019B960494DF}">
-                  <a14:hiddenLine xmlns:a14="http://schemas.microsoft.com/office/drawing/2010/main" xmlns="" w="9525">
+                  <a14:hiddenLine xmlns="" xmlns:a14="http://schemas.microsoft.com/office/drawing/2010/main" w="9525">
                     <a:solidFill>
                       <a:srgbClr val="000000"/>
                     </a:solidFill>
@@ -9515,7 +9515,7 @@
               </a:ln>
               <a:extLst>
                 <a:ext uri="{91240B29-F687-4f45-9708-019B960494DF}">
-                  <a14:hiddenLine xmlns:a14="http://schemas.microsoft.com/office/drawing/2010/main" xmlns="" w="9525">
+                  <a14:hiddenLine xmlns="" xmlns:a14="http://schemas.microsoft.com/office/drawing/2010/main" w="9525">
                     <a:solidFill>
                       <a:srgbClr val="000000"/>
                     </a:solidFill>
@@ -9605,7 +9605,7 @@
               </a:ln>
               <a:extLst>
                 <a:ext uri="{91240B29-F687-4f45-9708-019B960494DF}">
-                  <a14:hiddenLine xmlns:a14="http://schemas.microsoft.com/office/drawing/2010/main" xmlns="" w="9525">
+                  <a14:hiddenLine xmlns="" xmlns:a14="http://schemas.microsoft.com/office/drawing/2010/main" w="9525">
                     <a:solidFill>
                       <a:srgbClr val="000000"/>
                     </a:solidFill>
@@ -9667,7 +9667,7 @@
               </a:ln>
               <a:extLst>
                 <a:ext uri="{91240B29-F687-4f45-9708-019B960494DF}">
-                  <a14:hiddenLine xmlns:a14="http://schemas.microsoft.com/office/drawing/2010/main" xmlns="" w="9525">
+                  <a14:hiddenLine xmlns="" xmlns:a14="http://schemas.microsoft.com/office/drawing/2010/main" w="9525">
                     <a:solidFill>
                       <a:srgbClr val="000000"/>
                     </a:solidFill>
@@ -9729,7 +9729,7 @@
               </a:ln>
               <a:extLst>
                 <a:ext uri="{91240B29-F687-4f45-9708-019B960494DF}">
-                  <a14:hiddenLine xmlns:a14="http://schemas.microsoft.com/office/drawing/2010/main" xmlns="" w="9525">
+                  <a14:hiddenLine xmlns="" xmlns:a14="http://schemas.microsoft.com/office/drawing/2010/main" w="9525">
                     <a:solidFill>
                       <a:srgbClr val="000000"/>
                     </a:solidFill>
@@ -9819,7 +9819,7 @@
               </a:ln>
               <a:extLst>
                 <a:ext uri="{91240B29-F687-4f45-9708-019B960494DF}">
-                  <a14:hiddenLine xmlns:a14="http://schemas.microsoft.com/office/drawing/2010/main" xmlns="" w="9525">
+                  <a14:hiddenLine xmlns="" xmlns:a14="http://schemas.microsoft.com/office/drawing/2010/main" w="9525">
                     <a:solidFill>
                       <a:srgbClr val="000000"/>
                     </a:solidFill>
@@ -9909,7 +9909,7 @@
               </a:ln>
               <a:extLst>
                 <a:ext uri="{91240B29-F687-4f45-9708-019B960494DF}">
-                  <a14:hiddenLine xmlns:a14="http://schemas.microsoft.com/office/drawing/2010/main" xmlns="" w="9525">
+                  <a14:hiddenLine xmlns="" xmlns:a14="http://schemas.microsoft.com/office/drawing/2010/main" w="9525">
                     <a:solidFill>
                       <a:srgbClr val="000000"/>
                     </a:solidFill>
@@ -9971,7 +9971,7 @@
               </a:ln>
               <a:extLst>
                 <a:ext uri="{91240B29-F687-4f45-9708-019B960494DF}">
-                  <a14:hiddenLine xmlns:a14="http://schemas.microsoft.com/office/drawing/2010/main" xmlns="" w="9525">
+                  <a14:hiddenLine xmlns="" xmlns:a14="http://schemas.microsoft.com/office/drawing/2010/main" w="9525">
                     <a:solidFill>
                       <a:srgbClr val="000000"/>
                     </a:solidFill>
@@ -10081,7 +10081,7 @@
               </a:ln>
               <a:extLst>
                 <a:ext uri="{91240B29-F687-4f45-9708-019B960494DF}">
-                  <a14:hiddenLine xmlns:a14="http://schemas.microsoft.com/office/drawing/2010/main" xmlns="" w="9525">
+                  <a14:hiddenLine xmlns="" xmlns:a14="http://schemas.microsoft.com/office/drawing/2010/main" w="9525">
                     <a:solidFill>
                       <a:srgbClr val="000000"/>
                     </a:solidFill>
@@ -10165,7 +10165,7 @@
               </a:ln>
               <a:extLst>
                 <a:ext uri="{91240B29-F687-4f45-9708-019B960494DF}">
-                  <a14:hiddenLine xmlns:a14="http://schemas.microsoft.com/office/drawing/2010/main" xmlns="" w="9525">
+                  <a14:hiddenLine xmlns="" xmlns:a14="http://schemas.microsoft.com/office/drawing/2010/main" w="9525">
                     <a:solidFill>
                       <a:srgbClr val="000000"/>
                     </a:solidFill>
@@ -10227,7 +10227,7 @@
               </a:ln>
               <a:extLst>
                 <a:ext uri="{91240B29-F687-4f45-9708-019B960494DF}">
-                  <a14:hiddenLine xmlns:a14="http://schemas.microsoft.com/office/drawing/2010/main" xmlns="" w="9525">
+                  <a14:hiddenLine xmlns="" xmlns:a14="http://schemas.microsoft.com/office/drawing/2010/main" w="9525">
                     <a:solidFill>
                       <a:srgbClr val="000000"/>
                     </a:solidFill>
@@ -10289,7 +10289,7 @@
               </a:ln>
               <a:extLst>
                 <a:ext uri="{91240B29-F687-4f45-9708-019B960494DF}">
-                  <a14:hiddenLine xmlns:a14="http://schemas.microsoft.com/office/drawing/2010/main" xmlns="" w="9525">
+                  <a14:hiddenLine xmlns="" xmlns:a14="http://schemas.microsoft.com/office/drawing/2010/main" w="9525">
                     <a:solidFill>
                       <a:srgbClr val="000000"/>
                     </a:solidFill>
@@ -10379,7 +10379,7 @@
               </a:ln>
               <a:extLst>
                 <a:ext uri="{91240B29-F687-4f45-9708-019B960494DF}">
-                  <a14:hiddenLine xmlns:a14="http://schemas.microsoft.com/office/drawing/2010/main" xmlns="" w="9525">
+                  <a14:hiddenLine xmlns="" xmlns:a14="http://schemas.microsoft.com/office/drawing/2010/main" w="9525">
                     <a:solidFill>
                       <a:srgbClr val="000000"/>
                     </a:solidFill>
@@ -10413,7 +10413,7 @@
               </a:ln>
               <a:extLst>
                 <a:ext uri="{91240B29-F687-4f45-9708-019B960494DF}">
-                  <a14:hiddenLine xmlns:a14="http://schemas.microsoft.com/office/drawing/2010/main" xmlns="" w="9525">
+                  <a14:hiddenLine xmlns="" xmlns:a14="http://schemas.microsoft.com/office/drawing/2010/main" w="9525">
                     <a:solidFill>
                       <a:srgbClr val="000000"/>
                     </a:solidFill>
@@ -10478,7 +10478,7 @@
               </a:ln>
               <a:extLst>
                 <a:ext uri="{91240B29-F687-4f45-9708-019B960494DF}">
-                  <a14:hiddenLine xmlns:a14="http://schemas.microsoft.com/office/drawing/2010/main" xmlns="" w="9525">
+                  <a14:hiddenLine xmlns="" xmlns:a14="http://schemas.microsoft.com/office/drawing/2010/main" w="9525">
                     <a:solidFill>
                       <a:srgbClr val="000000"/>
                     </a:solidFill>
@@ -10568,7 +10568,7 @@
               </a:ln>
               <a:extLst>
                 <a:ext uri="{91240B29-F687-4f45-9708-019B960494DF}">
-                  <a14:hiddenLine xmlns:a14="http://schemas.microsoft.com/office/drawing/2010/main" xmlns="" w="9525">
+                  <a14:hiddenLine xmlns="" xmlns:a14="http://schemas.microsoft.com/office/drawing/2010/main" w="9525">
                     <a:solidFill>
                       <a:srgbClr val="000000"/>
                     </a:solidFill>
@@ -10630,7 +10630,7 @@
               </a:ln>
               <a:extLst>
                 <a:ext uri="{91240B29-F687-4f45-9708-019B960494DF}">
-                  <a14:hiddenLine xmlns:a14="http://schemas.microsoft.com/office/drawing/2010/main" xmlns="" w="9525">
+                  <a14:hiddenLine xmlns="" xmlns:a14="http://schemas.microsoft.com/office/drawing/2010/main" w="9525">
                     <a:solidFill>
                       <a:srgbClr val="000000"/>
                     </a:solidFill>
@@ -10720,7 +10720,7 @@
               </a:ln>
               <a:extLst>
                 <a:ext uri="{91240B29-F687-4f45-9708-019B960494DF}">
-                  <a14:hiddenLine xmlns:a14="http://schemas.microsoft.com/office/drawing/2010/main" xmlns="" w="9525">
+                  <a14:hiddenLine xmlns="" xmlns:a14="http://schemas.microsoft.com/office/drawing/2010/main" w="9525">
                     <a:solidFill>
                       <a:srgbClr val="000000"/>
                     </a:solidFill>
@@ -10785,7 +10785,7 @@
               </a:ln>
               <a:extLst>
                 <a:ext uri="{91240B29-F687-4f45-9708-019B960494DF}">
-                  <a14:hiddenLine xmlns:a14="http://schemas.microsoft.com/office/drawing/2010/main" xmlns="" w="9525">
+                  <a14:hiddenLine xmlns="" xmlns:a14="http://schemas.microsoft.com/office/drawing/2010/main" w="9525">
                     <a:solidFill>
                       <a:srgbClr val="000000"/>
                     </a:solidFill>
@@ -10847,7 +10847,7 @@
               </a:ln>
               <a:extLst>
                 <a:ext uri="{91240B29-F687-4f45-9708-019B960494DF}">
-                  <a14:hiddenLine xmlns:a14="http://schemas.microsoft.com/office/drawing/2010/main" xmlns="" w="9525">
+                  <a14:hiddenLine xmlns="" xmlns:a14="http://schemas.microsoft.com/office/drawing/2010/main" w="9525">
                     <a:solidFill>
                       <a:srgbClr val="000000"/>
                     </a:solidFill>
@@ -10937,7 +10937,7 @@
               </a:ln>
               <a:extLst>
                 <a:ext uri="{91240B29-F687-4f45-9708-019B960494DF}">
-                  <a14:hiddenLine xmlns:a14="http://schemas.microsoft.com/office/drawing/2010/main" xmlns="" w="9525">
+                  <a14:hiddenLine xmlns="" xmlns:a14="http://schemas.microsoft.com/office/drawing/2010/main" w="9525">
                     <a:solidFill>
                       <a:srgbClr val="000000"/>
                     </a:solidFill>
@@ -11027,7 +11027,7 @@
               </a:ln>
               <a:extLst>
                 <a:ext uri="{91240B29-F687-4f45-9708-019B960494DF}">
-                  <a14:hiddenLine xmlns:a14="http://schemas.microsoft.com/office/drawing/2010/main" xmlns="" w="9525">
+                  <a14:hiddenLine xmlns="" xmlns:a14="http://schemas.microsoft.com/office/drawing/2010/main" w="9525">
                     <a:solidFill>
                       <a:srgbClr val="000000"/>
                     </a:solidFill>
@@ -11092,7 +11092,7 @@
               </a:ln>
               <a:extLst>
                 <a:ext uri="{91240B29-F687-4f45-9708-019B960494DF}">
-                  <a14:hiddenLine xmlns:a14="http://schemas.microsoft.com/office/drawing/2010/main" xmlns="" w="9525">
+                  <a14:hiddenLine xmlns="" xmlns:a14="http://schemas.microsoft.com/office/drawing/2010/main" w="9525">
                     <a:solidFill>
                       <a:srgbClr val="000000"/>
                     </a:solidFill>
@@ -11212,7 +11212,7 @@
               </a:ln>
               <a:extLst>
                 <a:ext uri="{91240B29-F687-4f45-9708-019B960494DF}">
-                  <a14:hiddenLine xmlns:a14="http://schemas.microsoft.com/office/drawing/2010/main" xmlns="" w="9525">
+                  <a14:hiddenLine xmlns="" xmlns:a14="http://schemas.microsoft.com/office/drawing/2010/main" w="9525">
                     <a:solidFill>
                       <a:srgbClr val="000000"/>
                     </a:solidFill>
@@ -11310,7 +11310,7 @@
               </a:ln>
               <a:extLst>
                 <a:ext uri="{91240B29-F687-4f45-9708-019B960494DF}">
-                  <a14:hiddenLine xmlns:a14="http://schemas.microsoft.com/office/drawing/2010/main" xmlns="" w="9525">
+                  <a14:hiddenLine xmlns="" xmlns:a14="http://schemas.microsoft.com/office/drawing/2010/main" w="9525">
                     <a:solidFill>
                       <a:srgbClr val="000000"/>
                     </a:solidFill>
@@ -11425,7 +11425,7 @@
               </a:ln>
               <a:extLst>
                 <a:ext uri="{91240B29-F687-4f45-9708-019B960494DF}">
-                  <a14:hiddenLine xmlns:a14="http://schemas.microsoft.com/office/drawing/2010/main" xmlns="" w="9525">
+                  <a14:hiddenLine xmlns="" xmlns:a14="http://schemas.microsoft.com/office/drawing/2010/main" w="9525">
                     <a:solidFill>
                       <a:srgbClr val="000000"/>
                     </a:solidFill>
@@ -11515,7 +11515,7 @@
               </a:ln>
               <a:extLst>
                 <a:ext uri="{91240B29-F687-4f45-9708-019B960494DF}">
-                  <a14:hiddenLine xmlns:a14="http://schemas.microsoft.com/office/drawing/2010/main" xmlns="" w="9525">
+                  <a14:hiddenLine xmlns="" xmlns:a14="http://schemas.microsoft.com/office/drawing/2010/main" w="9525">
                     <a:solidFill>
                       <a:srgbClr val="000000"/>
                     </a:solidFill>
@@ -11580,7 +11580,7 @@
               </a:ln>
               <a:extLst>
                 <a:ext uri="{91240B29-F687-4f45-9708-019B960494DF}">
-                  <a14:hiddenLine xmlns:a14="http://schemas.microsoft.com/office/drawing/2010/main" xmlns="" w="9525">
+                  <a14:hiddenLine xmlns="" xmlns:a14="http://schemas.microsoft.com/office/drawing/2010/main" w="9525">
                     <a:solidFill>
                       <a:srgbClr val="000000"/>
                     </a:solidFill>
@@ -11670,7 +11670,7 @@
               </a:ln>
               <a:extLst>
                 <a:ext uri="{91240B29-F687-4f45-9708-019B960494DF}">
-                  <a14:hiddenLine xmlns:a14="http://schemas.microsoft.com/office/drawing/2010/main" xmlns="" w="9525">
+                  <a14:hiddenLine xmlns="" xmlns:a14="http://schemas.microsoft.com/office/drawing/2010/main" w="9525">
                     <a:solidFill>
                       <a:srgbClr val="000000"/>
                     </a:solidFill>
@@ -11738,7 +11738,7 @@
               </a:ln>
               <a:extLst>
                 <a:ext uri="{91240B29-F687-4f45-9708-019B960494DF}">
-                  <a14:hiddenLine xmlns:a14="http://schemas.microsoft.com/office/drawing/2010/main" xmlns="" w="9525">
+                  <a14:hiddenLine xmlns="" xmlns:a14="http://schemas.microsoft.com/office/drawing/2010/main" w="9525">
                     <a:solidFill>
                       <a:srgbClr val="000000"/>
                     </a:solidFill>
@@ -11828,7 +11828,7 @@
               </a:ln>
               <a:extLst>
                 <a:ext uri="{91240B29-F687-4f45-9708-019B960494DF}">
-                  <a14:hiddenLine xmlns:a14="http://schemas.microsoft.com/office/drawing/2010/main" xmlns="" w="9525">
+                  <a14:hiddenLine xmlns="" xmlns:a14="http://schemas.microsoft.com/office/drawing/2010/main" w="9525">
                     <a:solidFill>
                       <a:srgbClr val="000000"/>
                     </a:solidFill>
@@ -11896,7 +11896,7 @@
               </a:ln>
               <a:extLst>
                 <a:ext uri="{91240B29-F687-4f45-9708-019B960494DF}">
-                  <a14:hiddenLine xmlns:a14="http://schemas.microsoft.com/office/drawing/2010/main" xmlns="" w="9525">
+                  <a14:hiddenLine xmlns="" xmlns:a14="http://schemas.microsoft.com/office/drawing/2010/main" w="9525">
                     <a:solidFill>
                       <a:srgbClr val="000000"/>
                     </a:solidFill>
@@ -11986,7 +11986,7 @@
               </a:ln>
               <a:extLst>
                 <a:ext uri="{91240B29-F687-4f45-9708-019B960494DF}">
-                  <a14:hiddenLine xmlns:a14="http://schemas.microsoft.com/office/drawing/2010/main" xmlns="" w="9525">
+                  <a14:hiddenLine xmlns="" xmlns:a14="http://schemas.microsoft.com/office/drawing/2010/main" w="9525">
                     <a:solidFill>
                       <a:srgbClr val="000000"/>
                     </a:solidFill>
@@ -12020,7 +12020,7 @@
               </a:ln>
               <a:extLst>
                 <a:ext uri="{91240B29-F687-4f45-9708-019B960494DF}">
-                  <a14:hiddenLine xmlns:a14="http://schemas.microsoft.com/office/drawing/2010/main" xmlns="" w="9525">
+                  <a14:hiddenLine xmlns="" xmlns:a14="http://schemas.microsoft.com/office/drawing/2010/main" w="9525">
                     <a:solidFill>
                       <a:srgbClr val="000000"/>
                     </a:solidFill>
@@ -13669,15 +13669,83 @@
         </p:nvSpPr>
         <p:spPr>
           <a:xfrm>
-            <a:off x="677333" y="1500027"/>
+            <a:off x="677333" y="1707065"/>
             <a:ext cx="11045479" cy="4541335"/>
           </a:xfrm>
         </p:spPr>
         <p:txBody>
-          <a:bodyPr/>
+          <a:bodyPr>
+            <a:normAutofit/>
+          </a:bodyPr>
           <a:lstStyle/>
           <a:p>
-            <a:endParaRPr lang="en-AE" dirty="0"/>
+            <a:pPr marL="0" indent="0">
+              <a:buNone/>
+            </a:pPr>
+            <a:r>
+              <a:rPr lang="en-US" sz="4800" dirty="0" err="1">
+                <a:solidFill>
+                  <a:schemeClr val="bg2"/>
+                </a:solidFill>
+              </a:rPr>
+              <a:t>Github</a:t>
+            </a:r>
+            <a:r>
+              <a:rPr lang="en-US" sz="4800">
+                <a:solidFill>
+                  <a:schemeClr val="bg2"/>
+                </a:solidFill>
+              </a:rPr>
+              <a:t> Link</a:t>
+            </a:r>
+            <a:r>
+              <a:rPr lang="en-US" sz="4800" dirty="0">
+                <a:solidFill>
+                  <a:schemeClr val="bg2"/>
+                </a:solidFill>
+              </a:rPr>
+              <a:t>:</a:t>
+            </a:r>
+            <a:endParaRPr lang="en-AE" sz="4800" dirty="0">
+              <a:solidFill>
+                <a:schemeClr val="bg2"/>
+              </a:solidFill>
+            </a:endParaRPr>
+          </a:p>
+        </p:txBody>
+      </p:sp>
+      <p:sp>
+        <p:nvSpPr>
+          <p:cNvPr id="5" name="TextBox 4">
+            <a:extLst>
+              <a:ext uri="{FF2B5EF4-FFF2-40B4-BE49-F238E27FC236}">
+                <a16:creationId xmlns:a16="http://schemas.microsoft.com/office/drawing/2014/main" id="{BC892404-F8A8-4319-8F26-B8D264287FC7}"/>
+              </a:ext>
+            </a:extLst>
+          </p:cNvPr>
+          <p:cNvSpPr txBox="1"/>
+          <p:nvPr/>
+        </p:nvSpPr>
+        <p:spPr>
+          <a:xfrm>
+            <a:off x="1828800" y="2870200"/>
+            <a:ext cx="9685867" cy="1200329"/>
+          </a:xfrm>
+          <a:prstGeom prst="rect">
+            <a:avLst/>
+          </a:prstGeom>
+          <a:noFill/>
+        </p:spPr>
+        <p:txBody>
+          <a:bodyPr wrap="square">
+            <a:spAutoFit/>
+          </a:bodyPr>
+          <a:lstStyle/>
+          <a:p>
+            <a:r>
+              <a:rPr lang="en-AE" sz="3600" dirty="0"/>
+              <a:t>https://github.com/dcbca24afra-ship-it/M.-Afra-Fathima-FWD.git</a:t>
+            </a:r>
           </a:p>
         </p:txBody>
       </p:sp>
